--- a/documentacao/Apresentação.pptx
+++ b/documentacao/Apresentação.pptx
@@ -5,41 +5,42 @@
     <p:sldMasterId id="2147483685" r:id="rId1"/>
   </p:sldMasterIdLst>
   <p:notesMasterIdLst>
-    <p:notesMasterId r:id="rId8"/>
+    <p:notesMasterId r:id="rId9"/>
   </p:notesMasterIdLst>
   <p:sldIdLst>
     <p:sldId id="256" r:id="rId2"/>
     <p:sldId id="264" r:id="rId3"/>
     <p:sldId id="267" r:id="rId4"/>
-    <p:sldId id="260" r:id="rId5"/>
-    <p:sldId id="263" r:id="rId6"/>
-    <p:sldId id="270" r:id="rId7"/>
+    <p:sldId id="271" r:id="rId5"/>
+    <p:sldId id="260" r:id="rId6"/>
+    <p:sldId id="263" r:id="rId7"/>
+    <p:sldId id="270" r:id="rId8"/>
   </p:sldIdLst>
   <p:sldSz cx="9144000" cy="5143500" type="screen16x9"/>
   <p:notesSz cx="6858000" cy="9144000"/>
   <p:embeddedFontLst>
     <p:embeddedFont>
       <p:font typeface="Catamaran" panose="020B0604020202020204" charset="0"/>
-      <p:regular r:id="rId9"/>
-      <p:bold r:id="rId10"/>
+      <p:regular r:id="rId10"/>
+      <p:bold r:id="rId11"/>
     </p:embeddedFont>
     <p:embeddedFont>
       <p:font typeface="Montserrat" panose="00000500000000000000" pitchFamily="2" charset="0"/>
-      <p:regular r:id="rId11"/>
-      <p:bold r:id="rId12"/>
-      <p:italic r:id="rId13"/>
-      <p:boldItalic r:id="rId14"/>
+      <p:regular r:id="rId12"/>
+      <p:bold r:id="rId13"/>
+      <p:italic r:id="rId14"/>
+      <p:boldItalic r:id="rId15"/>
     </p:embeddedFont>
     <p:embeddedFont>
       <p:font typeface="Russo One" panose="020B0604020202020204" charset="0"/>
-      <p:regular r:id="rId15"/>
+      <p:regular r:id="rId16"/>
     </p:embeddedFont>
     <p:embeddedFont>
       <p:font typeface="Unna" panose="020B0604020202020204" charset="0"/>
-      <p:regular r:id="rId16"/>
-      <p:bold r:id="rId17"/>
-      <p:italic r:id="rId18"/>
-      <p:boldItalic r:id="rId19"/>
+      <p:regular r:id="rId17"/>
+      <p:bold r:id="rId18"/>
+      <p:italic r:id="rId19"/>
+      <p:boldItalic r:id="rId20"/>
     </p:embeddedFont>
   </p:embeddedFontLst>
   <p:defaultTextStyle>
@@ -1037,6 +1038,115 @@
   <p:cSld>
     <p:spTree>
       <p:nvGrpSpPr>
+        <p:cNvPr id="1" name="Shape 1557"/>
+        <p:cNvGrpSpPr/>
+        <p:nvPr/>
+      </p:nvGrpSpPr>
+      <p:grpSpPr>
+        <a:xfrm>
+          <a:off x="0" y="0"/>
+          <a:ext cx="0" cy="0"/>
+          <a:chOff x="0" y="0"/>
+          <a:chExt cx="0" cy="0"/>
+        </a:xfrm>
+      </p:grpSpPr>
+      <p:sp>
+        <p:nvSpPr>
+          <p:cNvPr id="1558" name="Google Shape;1558;g11432e389cb_0_0:notes"/>
+          <p:cNvSpPr>
+            <a:spLocks noGrp="1" noRot="1" noChangeAspect="1"/>
+          </p:cNvSpPr>
+          <p:nvPr>
+            <p:ph type="sldImg" idx="2"/>
+          </p:nvPr>
+        </p:nvSpPr>
+        <p:spPr>
+          <a:xfrm>
+            <a:off x="381000" y="685800"/>
+            <a:ext cx="6096000" cy="3429000"/>
+          </a:xfrm>
+          <a:custGeom>
+            <a:avLst/>
+            <a:gdLst/>
+            <a:ahLst/>
+            <a:cxnLst/>
+            <a:rect l="l" t="t" r="r" b="b"/>
+            <a:pathLst>
+              <a:path w="120000" h="120000" extrusionOk="0">
+                <a:moveTo>
+                  <a:pt x="0" y="0"/>
+                </a:moveTo>
+                <a:lnTo>
+                  <a:pt x="120000" y="0"/>
+                </a:lnTo>
+                <a:lnTo>
+                  <a:pt x="120000" y="120000"/>
+                </a:lnTo>
+                <a:lnTo>
+                  <a:pt x="0" y="120000"/>
+                </a:lnTo>
+                <a:close/>
+              </a:path>
+            </a:pathLst>
+          </a:custGeom>
+        </p:spPr>
+      </p:sp>
+      <p:sp>
+        <p:nvSpPr>
+          <p:cNvPr id="1559" name="Google Shape;1559;g11432e389cb_0_0:notes"/>
+          <p:cNvSpPr txBox="1">
+            <a:spLocks noGrp="1"/>
+          </p:cNvSpPr>
+          <p:nvPr>
+            <p:ph type="body" idx="1"/>
+          </p:nvPr>
+        </p:nvSpPr>
+        <p:spPr>
+          <a:xfrm>
+            <a:off x="685800" y="4343400"/>
+            <a:ext cx="5486400" cy="4114800"/>
+          </a:xfrm>
+          <a:prstGeom prst="rect">
+            <a:avLst/>
+          </a:prstGeom>
+        </p:spPr>
+        <p:txBody>
+          <a:bodyPr spcFirstLastPara="1" wrap="square" lIns="91425" tIns="91425" rIns="91425" bIns="91425" anchor="t" anchorCtr="0">
+            <a:noAutofit/>
+          </a:bodyPr>
+          <a:lstStyle/>
+          <a:p>
+            <a:pPr marL="0" lvl="0" indent="0" algn="l" rtl="0">
+              <a:spcBef>
+                <a:spcPts val="0"/>
+              </a:spcBef>
+              <a:spcAft>
+                <a:spcPts val="0"/>
+              </a:spcAft>
+              <a:buNone/>
+            </a:pPr>
+            <a:endParaRPr/>
+          </a:p>
+        </p:txBody>
+      </p:sp>
+    </p:spTree>
+    <p:extLst>
+      <p:ext uri="{BB962C8B-B14F-4D97-AF65-F5344CB8AC3E}">
+        <p14:creationId xmlns:p14="http://schemas.microsoft.com/office/powerpoint/2010/main" val="2836077382"/>
+      </p:ext>
+    </p:extLst>
+  </p:cSld>
+  <p:clrMapOvr>
+    <a:masterClrMapping/>
+  </p:clrMapOvr>
+</p:notes>
+</file>
+
+<file path=ppt/notesSlides/notesSlide5.xml><?xml version="1.0" encoding="utf-8"?>
+<p:notes xmlns:a="http://schemas.openxmlformats.org/drawingml/2006/main" xmlns:r="http://schemas.openxmlformats.org/officeDocument/2006/relationships" xmlns:p="http://schemas.openxmlformats.org/presentationml/2006/main" showMasterSp="0" showMasterPhAnim="0">
+  <p:cSld>
+    <p:spTree>
+      <p:nvGrpSpPr>
         <p:cNvPr id="1" name="Shape 1532"/>
         <p:cNvGrpSpPr/>
         <p:nvPr/>
@@ -1136,7 +1246,7 @@
 </p:notes>
 </file>
 
-<file path=ppt/notesSlides/notesSlide5.xml><?xml version="1.0" encoding="utf-8"?>
+<file path=ppt/notesSlides/notesSlide6.xml><?xml version="1.0" encoding="utf-8"?>
 <p:notes xmlns:a="http://schemas.openxmlformats.org/drawingml/2006/main" xmlns:r="http://schemas.openxmlformats.org/officeDocument/2006/relationships" xmlns:p="http://schemas.openxmlformats.org/presentationml/2006/main" showMasterSp="0" showMasterPhAnim="0">
   <p:cSld>
     <p:spTree>
@@ -1240,7 +1350,7 @@
 </p:notes>
 </file>
 
-<file path=ppt/notesSlides/notesSlide6.xml><?xml version="1.0" encoding="utf-8"?>
+<file path=ppt/notesSlides/notesSlide7.xml><?xml version="1.0" encoding="utf-8"?>
 <p:notes xmlns:a="http://schemas.openxmlformats.org/drawingml/2006/main" xmlns:r="http://schemas.openxmlformats.org/officeDocument/2006/relationships" xmlns:p="http://schemas.openxmlformats.org/presentationml/2006/main" showMasterSp="0" showMasterPhAnim="0">
   <p:cSld>
     <p:spTree>
@@ -32334,6 +32444,545 @@
   <p:cSld>
     <p:spTree>
       <p:nvGrpSpPr>
+        <p:cNvPr id="1" name="Shape 1560"/>
+        <p:cNvGrpSpPr/>
+        <p:nvPr/>
+      </p:nvGrpSpPr>
+      <p:grpSpPr>
+        <a:xfrm>
+          <a:off x="0" y="0"/>
+          <a:ext cx="0" cy="0"/>
+          <a:chOff x="0" y="0"/>
+          <a:chExt cx="0" cy="0"/>
+        </a:xfrm>
+      </p:grpSpPr>
+      <p:sp>
+        <p:nvSpPr>
+          <p:cNvPr id="1564" name="Google Shape;1564;p47"/>
+          <p:cNvSpPr txBox="1">
+            <a:spLocks noGrp="1"/>
+          </p:cNvSpPr>
+          <p:nvPr>
+            <p:ph type="subTitle" idx="1"/>
+          </p:nvPr>
+        </p:nvSpPr>
+        <p:spPr>
+          <a:xfrm>
+            <a:off x="964288" y="1744737"/>
+            <a:ext cx="2138700" cy="435000"/>
+          </a:xfrm>
+          <a:prstGeom prst="rect">
+            <a:avLst/>
+          </a:prstGeom>
+        </p:spPr>
+        <p:txBody>
+          <a:bodyPr spcFirstLastPara="1" wrap="square" lIns="91425" tIns="91425" rIns="91425" bIns="91425" anchor="ctr" anchorCtr="0">
+            <a:noAutofit/>
+          </a:bodyPr>
+          <a:lstStyle/>
+          <a:p>
+            <a:pPr marL="0" lvl="0" indent="0" algn="ctr" rtl="0">
+              <a:spcBef>
+                <a:spcPts val="0"/>
+              </a:spcBef>
+              <a:spcAft>
+                <a:spcPts val="0"/>
+              </a:spcAft>
+              <a:buNone/>
+            </a:pPr>
+            <a:r>
+              <a:rPr lang="en" dirty="0"/>
+              <a:t>Resiliência </a:t>
+            </a:r>
+            <a:endParaRPr dirty="0"/>
+          </a:p>
+        </p:txBody>
+      </p:sp>
+      <p:sp>
+        <p:nvSpPr>
+          <p:cNvPr id="1566" name="Google Shape;1566;p47"/>
+          <p:cNvSpPr txBox="1">
+            <a:spLocks noGrp="1"/>
+          </p:cNvSpPr>
+          <p:nvPr>
+            <p:ph type="subTitle" idx="3"/>
+          </p:nvPr>
+        </p:nvSpPr>
+        <p:spPr>
+          <a:xfrm>
+            <a:off x="3644528" y="2812249"/>
+            <a:ext cx="2265617" cy="435000"/>
+          </a:xfrm>
+          <a:prstGeom prst="rect">
+            <a:avLst/>
+          </a:prstGeom>
+        </p:spPr>
+        <p:txBody>
+          <a:bodyPr spcFirstLastPara="1" wrap="square" lIns="91425" tIns="91425" rIns="91425" bIns="91425" anchor="ctr" anchorCtr="0">
+            <a:noAutofit/>
+          </a:bodyPr>
+          <a:lstStyle/>
+          <a:p>
+            <a:pPr marL="0" lvl="0" indent="0" algn="ctr" rtl="0">
+              <a:spcBef>
+                <a:spcPts val="0"/>
+              </a:spcBef>
+              <a:spcAft>
+                <a:spcPts val="0"/>
+              </a:spcAft>
+              <a:buNone/>
+            </a:pPr>
+            <a:r>
+              <a:rPr lang="en" dirty="0"/>
+              <a:t>Responsabilidade</a:t>
+            </a:r>
+            <a:endParaRPr dirty="0"/>
+          </a:p>
+        </p:txBody>
+      </p:sp>
+      <p:sp>
+        <p:nvSpPr>
+          <p:cNvPr id="1568" name="Google Shape;1568;p47"/>
+          <p:cNvSpPr txBox="1">
+            <a:spLocks noGrp="1"/>
+          </p:cNvSpPr>
+          <p:nvPr>
+            <p:ph type="title"/>
+          </p:nvPr>
+        </p:nvSpPr>
+        <p:spPr>
+          <a:xfrm>
+            <a:off x="713225" y="539525"/>
+            <a:ext cx="7717500" cy="572700"/>
+          </a:xfrm>
+          <a:prstGeom prst="rect">
+            <a:avLst/>
+          </a:prstGeom>
+        </p:spPr>
+        <p:txBody>
+          <a:bodyPr spcFirstLastPara="1" wrap="square" lIns="91425" tIns="91425" rIns="91425" bIns="91425" anchor="ctr" anchorCtr="0">
+            <a:noAutofit/>
+          </a:bodyPr>
+          <a:lstStyle/>
+          <a:p>
+            <a:pPr marL="0" lvl="0" indent="0" algn="ctr" rtl="0">
+              <a:spcBef>
+                <a:spcPts val="0"/>
+              </a:spcBef>
+              <a:spcAft>
+                <a:spcPts val="0"/>
+              </a:spcAft>
+              <a:buNone/>
+            </a:pPr>
+            <a:r>
+              <a:rPr lang="en" dirty="0"/>
+              <a:t>Valores</a:t>
+            </a:r>
+            <a:endParaRPr dirty="0"/>
+          </a:p>
+        </p:txBody>
+      </p:sp>
+      <p:sp>
+        <p:nvSpPr>
+          <p:cNvPr id="1569" name="Google Shape;1569;p47"/>
+          <p:cNvSpPr txBox="1">
+            <a:spLocks noGrp="1"/>
+          </p:cNvSpPr>
+          <p:nvPr>
+            <p:ph type="subTitle" idx="5"/>
+          </p:nvPr>
+        </p:nvSpPr>
+        <p:spPr>
+          <a:xfrm>
+            <a:off x="2154395" y="2278493"/>
+            <a:ext cx="2138700" cy="435000"/>
+          </a:xfrm>
+          <a:prstGeom prst="rect">
+            <a:avLst/>
+          </a:prstGeom>
+        </p:spPr>
+        <p:txBody>
+          <a:bodyPr spcFirstLastPara="1" wrap="square" lIns="91425" tIns="91425" rIns="91425" bIns="91425" anchor="ctr" anchorCtr="0">
+            <a:noAutofit/>
+          </a:bodyPr>
+          <a:lstStyle/>
+          <a:p>
+            <a:pPr marL="0" lvl="0" indent="0" algn="ctr" rtl="0">
+              <a:spcBef>
+                <a:spcPts val="0"/>
+              </a:spcBef>
+              <a:spcAft>
+                <a:spcPts val="0"/>
+              </a:spcAft>
+              <a:buNone/>
+            </a:pPr>
+            <a:r>
+              <a:rPr lang="en" dirty="0"/>
+              <a:t>Honestidade</a:t>
+            </a:r>
+            <a:endParaRPr dirty="0"/>
+          </a:p>
+        </p:txBody>
+      </p:sp>
+      <p:cxnSp>
+        <p:nvCxnSpPr>
+          <p:cNvPr id="1593" name="Google Shape;1593;p47"/>
+          <p:cNvCxnSpPr/>
+          <p:nvPr/>
+        </p:nvCxnSpPr>
+        <p:spPr>
+          <a:xfrm>
+            <a:off x="2590200" y="1112200"/>
+            <a:ext cx="2752500" cy="0"/>
+          </a:xfrm>
+          <a:prstGeom prst="straightConnector1">
+            <a:avLst/>
+          </a:prstGeom>
+          <a:noFill/>
+          <a:ln w="19050" cap="flat" cmpd="sng">
+            <a:solidFill>
+              <a:schemeClr val="accent1"/>
+            </a:solidFill>
+            <a:prstDash val="solid"/>
+            <a:round/>
+            <a:headEnd type="none" w="med" len="med"/>
+            <a:tailEnd type="none" w="med" len="med"/>
+          </a:ln>
+        </p:spPr>
+      </p:cxnSp>
+      <p:pic>
+        <p:nvPicPr>
+          <p:cNvPr id="1594" name="Google Shape;1594;p47"/>
+          <p:cNvPicPr preferRelativeResize="0"/>
+          <p:nvPr/>
+        </p:nvPicPr>
+        <p:blipFill>
+          <a:blip r:embed="rId3">
+            <a:alphaModFix/>
+          </a:blip>
+          <a:stretch>
+            <a:fillRect/>
+          </a:stretch>
+        </p:blipFill>
+        <p:spPr>
+          <a:xfrm rot="-513554">
+            <a:off x="229704" y="3309981"/>
+            <a:ext cx="967041" cy="1657788"/>
+          </a:xfrm>
+          <a:prstGeom prst="rect">
+            <a:avLst/>
+          </a:prstGeom>
+          <a:noFill/>
+          <a:ln>
+            <a:noFill/>
+          </a:ln>
+        </p:spPr>
+      </p:pic>
+      <p:sp>
+        <p:nvSpPr>
+          <p:cNvPr id="8" name="Google Shape;1566;p47">
+            <a:extLst>
+              <a:ext uri="{FF2B5EF4-FFF2-40B4-BE49-F238E27FC236}">
+                <a16:creationId xmlns:a16="http://schemas.microsoft.com/office/drawing/2014/main" id="{4CADD4D6-B3CE-DB6D-E9E2-3ED3D92099E6}"/>
+              </a:ext>
+            </a:extLst>
+          </p:cNvPr>
+          <p:cNvSpPr txBox="1">
+            <a:spLocks/>
+          </p:cNvSpPr>
+          <p:nvPr/>
+        </p:nvSpPr>
+        <p:spPr>
+          <a:xfrm>
+            <a:off x="5276323" y="3359704"/>
+            <a:ext cx="2265617" cy="435000"/>
+          </a:xfrm>
+          <a:prstGeom prst="rect">
+            <a:avLst/>
+          </a:prstGeom>
+          <a:noFill/>
+          <a:ln>
+            <a:noFill/>
+          </a:ln>
+        </p:spPr>
+        <p:txBody>
+          <a:bodyPr spcFirstLastPara="1" wrap="square" lIns="91425" tIns="91425" rIns="91425" bIns="91425" anchor="ctr" anchorCtr="0">
+            <a:noAutofit/>
+          </a:bodyPr>
+          <a:lstStyle>
+            <a:defPPr marR="0" lvl="0" algn="l" rtl="0">
+              <a:lnSpc>
+                <a:spcPct val="100000"/>
+              </a:lnSpc>
+              <a:spcBef>
+                <a:spcPts val="0"/>
+              </a:spcBef>
+              <a:spcAft>
+                <a:spcPts val="0"/>
+              </a:spcAft>
+            </a:defPPr>
+            <a:lvl1pPr marL="457200" marR="0" lvl="0" indent="-317500" algn="ctr" rtl="0">
+              <a:lnSpc>
+                <a:spcPct val="100000"/>
+              </a:lnSpc>
+              <a:spcBef>
+                <a:spcPts val="0"/>
+              </a:spcBef>
+              <a:spcAft>
+                <a:spcPts val="0"/>
+              </a:spcAft>
+              <a:buClr>
+                <a:schemeClr val="dk1"/>
+              </a:buClr>
+              <a:buSzPts val="2400"/>
+              <a:buFont typeface="Unna"/>
+              <a:buNone/>
+              <a:defRPr sz="1800" b="0" i="0" u="none" strike="noStrike" cap="none">
+                <a:solidFill>
+                  <a:schemeClr val="lt1"/>
+                </a:solidFill>
+                <a:latin typeface="Russo One"/>
+                <a:ea typeface="Russo One"/>
+                <a:cs typeface="Russo One"/>
+                <a:sym typeface="Russo One"/>
+              </a:defRPr>
+            </a:lvl1pPr>
+            <a:lvl2pPr marL="914400" marR="0" lvl="1" indent="-317500" algn="ctr" rtl="0">
+              <a:lnSpc>
+                <a:spcPct val="100000"/>
+              </a:lnSpc>
+              <a:spcBef>
+                <a:spcPts val="0"/>
+              </a:spcBef>
+              <a:spcAft>
+                <a:spcPts val="0"/>
+              </a:spcAft>
+              <a:buClr>
+                <a:schemeClr val="dk1"/>
+              </a:buClr>
+              <a:buSzPts val="2400"/>
+              <a:buFont typeface="Unna"/>
+              <a:buNone/>
+              <a:defRPr sz="2400" b="0" i="0" u="none" strike="noStrike" cap="none">
+                <a:solidFill>
+                  <a:schemeClr val="dk1"/>
+                </a:solidFill>
+                <a:latin typeface="Unna"/>
+                <a:ea typeface="Unna"/>
+                <a:cs typeface="Unna"/>
+                <a:sym typeface="Unna"/>
+              </a:defRPr>
+            </a:lvl2pPr>
+            <a:lvl3pPr marL="1371600" marR="0" lvl="2" indent="-317500" algn="ctr" rtl="0">
+              <a:lnSpc>
+                <a:spcPct val="100000"/>
+              </a:lnSpc>
+              <a:spcBef>
+                <a:spcPts val="0"/>
+              </a:spcBef>
+              <a:spcAft>
+                <a:spcPts val="0"/>
+              </a:spcAft>
+              <a:buClr>
+                <a:schemeClr val="dk1"/>
+              </a:buClr>
+              <a:buSzPts val="2400"/>
+              <a:buFont typeface="Unna"/>
+              <a:buNone/>
+              <a:defRPr sz="2400" b="0" i="0" u="none" strike="noStrike" cap="none">
+                <a:solidFill>
+                  <a:schemeClr val="dk1"/>
+                </a:solidFill>
+                <a:latin typeface="Unna"/>
+                <a:ea typeface="Unna"/>
+                <a:cs typeface="Unna"/>
+                <a:sym typeface="Unna"/>
+              </a:defRPr>
+            </a:lvl3pPr>
+            <a:lvl4pPr marL="1828800" marR="0" lvl="3" indent="-317500" algn="ctr" rtl="0">
+              <a:lnSpc>
+                <a:spcPct val="100000"/>
+              </a:lnSpc>
+              <a:spcBef>
+                <a:spcPts val="0"/>
+              </a:spcBef>
+              <a:spcAft>
+                <a:spcPts val="0"/>
+              </a:spcAft>
+              <a:buClr>
+                <a:schemeClr val="dk1"/>
+              </a:buClr>
+              <a:buSzPts val="2400"/>
+              <a:buFont typeface="Unna"/>
+              <a:buNone/>
+              <a:defRPr sz="2400" b="0" i="0" u="none" strike="noStrike" cap="none">
+                <a:solidFill>
+                  <a:schemeClr val="dk1"/>
+                </a:solidFill>
+                <a:latin typeface="Unna"/>
+                <a:ea typeface="Unna"/>
+                <a:cs typeface="Unna"/>
+                <a:sym typeface="Unna"/>
+              </a:defRPr>
+            </a:lvl4pPr>
+            <a:lvl5pPr marL="2286000" marR="0" lvl="4" indent="-317500" algn="ctr" rtl="0">
+              <a:lnSpc>
+                <a:spcPct val="100000"/>
+              </a:lnSpc>
+              <a:spcBef>
+                <a:spcPts val="0"/>
+              </a:spcBef>
+              <a:spcAft>
+                <a:spcPts val="0"/>
+              </a:spcAft>
+              <a:buClr>
+                <a:schemeClr val="dk1"/>
+              </a:buClr>
+              <a:buSzPts val="2400"/>
+              <a:buFont typeface="Unna"/>
+              <a:buNone/>
+              <a:defRPr sz="2400" b="0" i="0" u="none" strike="noStrike" cap="none">
+                <a:solidFill>
+                  <a:schemeClr val="dk1"/>
+                </a:solidFill>
+                <a:latin typeface="Unna"/>
+                <a:ea typeface="Unna"/>
+                <a:cs typeface="Unna"/>
+                <a:sym typeface="Unna"/>
+              </a:defRPr>
+            </a:lvl5pPr>
+            <a:lvl6pPr marL="2743200" marR="0" lvl="5" indent="-317500" algn="ctr" rtl="0">
+              <a:lnSpc>
+                <a:spcPct val="100000"/>
+              </a:lnSpc>
+              <a:spcBef>
+                <a:spcPts val="0"/>
+              </a:spcBef>
+              <a:spcAft>
+                <a:spcPts val="0"/>
+              </a:spcAft>
+              <a:buClr>
+                <a:schemeClr val="dk1"/>
+              </a:buClr>
+              <a:buSzPts val="2400"/>
+              <a:buFont typeface="Unna"/>
+              <a:buNone/>
+              <a:defRPr sz="2400" b="0" i="0" u="none" strike="noStrike" cap="none">
+                <a:solidFill>
+                  <a:schemeClr val="dk1"/>
+                </a:solidFill>
+                <a:latin typeface="Unna"/>
+                <a:ea typeface="Unna"/>
+                <a:cs typeface="Unna"/>
+                <a:sym typeface="Unna"/>
+              </a:defRPr>
+            </a:lvl6pPr>
+            <a:lvl7pPr marL="3200400" marR="0" lvl="6" indent="-317500" algn="ctr" rtl="0">
+              <a:lnSpc>
+                <a:spcPct val="100000"/>
+              </a:lnSpc>
+              <a:spcBef>
+                <a:spcPts val="0"/>
+              </a:spcBef>
+              <a:spcAft>
+                <a:spcPts val="0"/>
+              </a:spcAft>
+              <a:buClr>
+                <a:schemeClr val="dk1"/>
+              </a:buClr>
+              <a:buSzPts val="2400"/>
+              <a:buFont typeface="Unna"/>
+              <a:buNone/>
+              <a:defRPr sz="2400" b="0" i="0" u="none" strike="noStrike" cap="none">
+                <a:solidFill>
+                  <a:schemeClr val="dk1"/>
+                </a:solidFill>
+                <a:latin typeface="Unna"/>
+                <a:ea typeface="Unna"/>
+                <a:cs typeface="Unna"/>
+                <a:sym typeface="Unna"/>
+              </a:defRPr>
+            </a:lvl7pPr>
+            <a:lvl8pPr marL="3657600" marR="0" lvl="7" indent="-317500" algn="ctr" rtl="0">
+              <a:lnSpc>
+                <a:spcPct val="100000"/>
+              </a:lnSpc>
+              <a:spcBef>
+                <a:spcPts val="0"/>
+              </a:spcBef>
+              <a:spcAft>
+                <a:spcPts val="0"/>
+              </a:spcAft>
+              <a:buClr>
+                <a:schemeClr val="dk1"/>
+              </a:buClr>
+              <a:buSzPts val="2400"/>
+              <a:buFont typeface="Unna"/>
+              <a:buNone/>
+              <a:defRPr sz="2400" b="0" i="0" u="none" strike="noStrike" cap="none">
+                <a:solidFill>
+                  <a:schemeClr val="dk1"/>
+                </a:solidFill>
+                <a:latin typeface="Unna"/>
+                <a:ea typeface="Unna"/>
+                <a:cs typeface="Unna"/>
+                <a:sym typeface="Unna"/>
+              </a:defRPr>
+            </a:lvl8pPr>
+            <a:lvl9pPr marL="4114800" marR="0" lvl="8" indent="-317500" algn="ctr" rtl="0">
+              <a:lnSpc>
+                <a:spcPct val="100000"/>
+              </a:lnSpc>
+              <a:spcBef>
+                <a:spcPts val="0"/>
+              </a:spcBef>
+              <a:spcAft>
+                <a:spcPts val="0"/>
+              </a:spcAft>
+              <a:buClr>
+                <a:schemeClr val="dk1"/>
+              </a:buClr>
+              <a:buSzPts val="2400"/>
+              <a:buFont typeface="Unna"/>
+              <a:buNone/>
+              <a:defRPr sz="2400" b="0" i="0" u="none" strike="noStrike" cap="none">
+                <a:solidFill>
+                  <a:schemeClr val="dk1"/>
+                </a:solidFill>
+                <a:latin typeface="Unna"/>
+                <a:ea typeface="Unna"/>
+                <a:cs typeface="Unna"/>
+                <a:sym typeface="Unna"/>
+              </a:defRPr>
+            </a:lvl9pPr>
+          </a:lstStyle>
+          <a:p>
+            <a:pPr marL="0" indent="0"/>
+            <a:r>
+              <a:rPr lang="pt-BR" dirty="0"/>
+              <a:t>Paciência</a:t>
+            </a:r>
+          </a:p>
+        </p:txBody>
+      </p:sp>
+    </p:spTree>
+    <p:extLst>
+      <p:ext uri="{BB962C8B-B14F-4D97-AF65-F5344CB8AC3E}">
+        <p14:creationId xmlns:p14="http://schemas.microsoft.com/office/powerpoint/2010/main" val="2382649433"/>
+      </p:ext>
+    </p:extLst>
+  </p:cSld>
+  <p:clrMapOvr>
+    <a:masterClrMapping/>
+  </p:clrMapOvr>
+</p:sld>
+</file>
+
+<file path=ppt/slides/slide5.xml><?xml version="1.0" encoding="utf-8"?>
+<p:sld xmlns:a="http://schemas.openxmlformats.org/drawingml/2006/main" xmlns:r="http://schemas.openxmlformats.org/officeDocument/2006/relationships" xmlns:p="http://schemas.openxmlformats.org/presentationml/2006/main">
+  <p:cSld>
+    <p:spTree>
+      <p:nvGrpSpPr>
         <p:cNvPr id="1" name="Shape 1535"/>
         <p:cNvGrpSpPr/>
         <p:nvPr/>
@@ -32512,7 +33161,7 @@
 </p:sld>
 </file>
 
-<file path=ppt/slides/slide5.xml><?xml version="1.0" encoding="utf-8"?>
+<file path=ppt/slides/slide6.xml><?xml version="1.0" encoding="utf-8"?>
 <p:sld xmlns:a="http://schemas.openxmlformats.org/drawingml/2006/main" xmlns:r="http://schemas.openxmlformats.org/officeDocument/2006/relationships" xmlns:p="http://schemas.openxmlformats.org/presentationml/2006/main">
   <p:cSld>
     <p:spTree>
@@ -36887,7 +37536,7 @@
 </p:sld>
 </file>
 
-<file path=ppt/slides/slide6.xml><?xml version="1.0" encoding="utf-8"?>
+<file path=ppt/slides/slide7.xml><?xml version="1.0" encoding="utf-8"?>
 <p:sld xmlns:a="http://schemas.openxmlformats.org/drawingml/2006/main" xmlns:r="http://schemas.openxmlformats.org/officeDocument/2006/relationships" xmlns:p="http://schemas.openxmlformats.org/presentationml/2006/main">
   <p:cSld>
     <p:spTree>
